--- a/07 - Paper/SQL Server 2016 R Services Presentation.pptx
+++ b/07 - Paper/SQL Server 2016 R Services Presentation.pptx
@@ -261,7 +261,7 @@
           <a:p>
             <a:fld id="{06628E8A-0528-482F-A1B2-43011CF103FA}" type="datetimeFigureOut">
               <a:rPr lang="en-US" smtClean="0"/>
-              <a:t>11/25/2016</a:t>
+              <a:t>11/28/2016</a:t>
             </a:fld>
             <a:endParaRPr lang="en-US"/>
           </a:p>
@@ -1725,7 +1725,7 @@
           <a:p>
             <a:fld id="{5524C381-53DC-4EA5-8271-112D6AB989EE}" type="datetimeFigureOut">
               <a:rPr lang="en-US" smtClean="0"/>
-              <a:t>11/25/2016</a:t>
+              <a:t>11/28/2016</a:t>
             </a:fld>
             <a:endParaRPr lang="en-US"/>
           </a:p>
@@ -1923,7 +1923,7 @@
           <a:p>
             <a:fld id="{5524C381-53DC-4EA5-8271-112D6AB989EE}" type="datetimeFigureOut">
               <a:rPr lang="en-US" smtClean="0"/>
-              <a:t>11/25/2016</a:t>
+              <a:t>11/28/2016</a:t>
             </a:fld>
             <a:endParaRPr lang="en-US"/>
           </a:p>
@@ -2098,7 +2098,7 @@
           <a:p>
             <a:fld id="{5524C381-53DC-4EA5-8271-112D6AB989EE}" type="datetimeFigureOut">
               <a:rPr lang="en-US" smtClean="0"/>
-              <a:t>11/25/2016</a:t>
+              <a:t>11/28/2016</a:t>
             </a:fld>
             <a:endParaRPr lang="en-US"/>
           </a:p>
@@ -2261,7 +2261,7 @@
           <a:p>
             <a:fld id="{5524C381-53DC-4EA5-8271-112D6AB989EE}" type="datetimeFigureOut">
               <a:rPr lang="en-US" smtClean="0"/>
-              <a:t>11/25/2016</a:t>
+              <a:t>11/28/2016</a:t>
             </a:fld>
             <a:endParaRPr lang="en-US"/>
           </a:p>
@@ -2509,7 +2509,7 @@
           <a:p>
             <a:fld id="{5524C381-53DC-4EA5-8271-112D6AB989EE}" type="datetimeFigureOut">
               <a:rPr lang="en-US" smtClean="0"/>
-              <a:t>11/25/2016</a:t>
+              <a:t>11/28/2016</a:t>
             </a:fld>
             <a:endParaRPr lang="en-US"/>
           </a:p>
@@ -2826,7 +2826,7 @@
           <a:p>
             <a:fld id="{5524C381-53DC-4EA5-8271-112D6AB989EE}" type="datetimeFigureOut">
               <a:rPr lang="en-US" smtClean="0"/>
-              <a:t>11/25/2016</a:t>
+              <a:t>11/28/2016</a:t>
             </a:fld>
             <a:endParaRPr lang="en-US"/>
           </a:p>
@@ -3292,7 +3292,7 @@
           <a:p>
             <a:fld id="{5524C381-53DC-4EA5-8271-112D6AB989EE}" type="datetimeFigureOut">
               <a:rPr lang="en-US" smtClean="0"/>
-              <a:t>11/25/2016</a:t>
+              <a:t>11/28/2016</a:t>
             </a:fld>
             <a:endParaRPr lang="en-US"/>
           </a:p>
@@ -3439,7 +3439,7 @@
           <a:p>
             <a:fld id="{5524C381-53DC-4EA5-8271-112D6AB989EE}" type="datetimeFigureOut">
               <a:rPr lang="en-US" smtClean="0"/>
-              <a:t>11/25/2016</a:t>
+              <a:t>11/28/2016</a:t>
             </a:fld>
             <a:endParaRPr lang="en-US"/>
           </a:p>
@@ -3529,7 +3529,7 @@
           <a:p>
             <a:fld id="{5524C381-53DC-4EA5-8271-112D6AB989EE}" type="datetimeFigureOut">
               <a:rPr lang="en-US" smtClean="0"/>
-              <a:t>11/25/2016</a:t>
+              <a:t>11/28/2016</a:t>
             </a:fld>
             <a:endParaRPr lang="en-US"/>
           </a:p>
@@ -3803,7 +3803,7 @@
           <a:p>
             <a:fld id="{5524C381-53DC-4EA5-8271-112D6AB989EE}" type="datetimeFigureOut">
               <a:rPr lang="en-US" smtClean="0"/>
-              <a:t>11/25/2016</a:t>
+              <a:t>11/28/2016</a:t>
             </a:fld>
             <a:endParaRPr lang="en-US"/>
           </a:p>
@@ -4108,7 +4108,7 @@
           <a:p>
             <a:fld id="{5524C381-53DC-4EA5-8271-112D6AB989EE}" type="datetimeFigureOut">
               <a:rPr lang="en-US" smtClean="0"/>
-              <a:t>11/25/2016</a:t>
+              <a:t>11/28/2016</a:t>
             </a:fld>
             <a:endParaRPr lang="en-US"/>
           </a:p>
@@ -4406,7 +4406,7 @@
           <a:p>
             <a:fld id="{5524C381-53DC-4EA5-8271-112D6AB989EE}" type="datetimeFigureOut">
               <a:rPr lang="en-US" smtClean="0"/>
-              <a:t>11/25/2016</a:t>
+              <a:t>11/28/2016</a:t>
             </a:fld>
             <a:endParaRPr lang="en-US"/>
           </a:p>
@@ -7813,7 +7813,6 @@
               <a:rPr lang="en-US" dirty="0"/>
               <a:t> - Build &amp; Save the Model</a:t>
             </a:r>
-            <a:endParaRPr lang="en-US" dirty="0"/>
           </a:p>
         </p:txBody>
       </p:sp>
@@ -16677,7 +16676,6 @@
               <a:rPr lang="en-US" dirty="0"/>
               <a:t> - Build &amp; Save the Model</a:t>
             </a:r>
-            <a:endParaRPr lang="en-US" dirty="0"/>
           </a:p>
         </p:txBody>
       </p:sp>
@@ -16970,7 +16968,6 @@
               <a:rPr lang="en-US" dirty="0"/>
               <a:t> - Build and Save Box Plots</a:t>
             </a:r>
-            <a:endParaRPr lang="en-US" dirty="0"/>
           </a:p>
         </p:txBody>
       </p:sp>
@@ -21831,7 +21828,6 @@
               <a:rPr lang="en-US" dirty="0"/>
               <a:t> - Build &amp; Save the Model</a:t>
             </a:r>
-            <a:endParaRPr lang="en-US" dirty="0"/>
           </a:p>
         </p:txBody>
       </p:sp>
@@ -22135,7 +22131,6 @@
               <a:rPr lang="en-US" dirty="0"/>
               <a:t> - Tumor Prediction</a:t>
             </a:r>
-            <a:endParaRPr lang="en-US" dirty="0"/>
           </a:p>
         </p:txBody>
       </p:sp>
@@ -23520,7 +23515,6 @@
               <a:rPr lang="en-US" dirty="0"/>
               <a:t> - Tumor Diagnosis Prediction Report</a:t>
             </a:r>
-            <a:endParaRPr lang="en-US" dirty="0"/>
           </a:p>
         </p:txBody>
       </p:sp>
@@ -23779,7 +23773,7 @@
 </file>
 
 <file path=ppt/slides/slide4.xml><?xml version="1.0" encoding="utf-8"?>
-<p:sld xmlns:a="http://schemas.openxmlformats.org/drawingml/2006/main" xmlns:r="http://schemas.openxmlformats.org/officeDocument/2006/relationships" xmlns:p="http://schemas.openxmlformats.org/presentationml/2006/main">
+<p:sld xmlns:a="http://schemas.openxmlformats.org/drawingml/2006/main" xmlns:r="http://schemas.openxmlformats.org/officeDocument/2006/relationships" xmlns:p="http://schemas.openxmlformats.org/presentationml/2006/main" show="0">
   <p:cSld>
     <p:spTree>
       <p:nvGrpSpPr>
@@ -23884,13 +23878,13 @@
   <p:clrMapOvr>
     <a:masterClrMapping/>
   </p:clrMapOvr>
-  <mc:AlternateContent xmlns:mc="http://schemas.openxmlformats.org/markup-compatibility/2006" xmlns:p14="http://schemas.microsoft.com/office/powerpoint/2010/main">
-    <mc:Choice Requires="p14">
+  <mc:AlternateContent xmlns:mc="http://schemas.openxmlformats.org/markup-compatibility/2006">
+    <mc:Choice xmlns:p14="http://schemas.microsoft.com/office/powerpoint/2010/main" Requires="p14">
       <p:transition spd="med" p14:dur="700">
         <p:fade/>
       </p:transition>
     </mc:Choice>
-    <mc:Fallback xmlns="">
+    <mc:Fallback>
       <p:transition spd="med">
         <p:fade/>
       </p:transition>
@@ -23988,11 +23982,7 @@
             <a:pPr lvl="1"/>
             <a:r>
               <a:rPr lang="en-US" dirty="0"/>
-              <a:t>Open the .</a:t>
-            </a:r>
-            <a:r>
-              <a:rPr lang="en-US" dirty="0"/>
-              <a:t>\01 - Deployment\01_Deploy.sql Script </a:t>
+              <a:t>Open the .\01 - Deployment\01_Deploy.sql Script </a:t>
             </a:r>
           </a:p>
           <a:p>
@@ -24072,7 +24062,7 @@
 </file>
 
 <file path=ppt/slides/slide5.xml><?xml version="1.0" encoding="utf-8"?>
-<p:sld xmlns:a="http://schemas.openxmlformats.org/drawingml/2006/main" xmlns:r="http://schemas.openxmlformats.org/officeDocument/2006/relationships" xmlns:p="http://schemas.openxmlformats.org/presentationml/2006/main">
+<p:sld xmlns:a="http://schemas.openxmlformats.org/drawingml/2006/main" xmlns:r="http://schemas.openxmlformats.org/officeDocument/2006/relationships" xmlns:p="http://schemas.openxmlformats.org/presentationml/2006/main" show="0">
   <p:cSld>
     <p:spTree>
       <p:nvGrpSpPr>
@@ -24159,13 +24149,13 @@
   <p:clrMapOvr>
     <a:masterClrMapping/>
   </p:clrMapOvr>
-  <mc:AlternateContent xmlns:mc="http://schemas.openxmlformats.org/markup-compatibility/2006" xmlns:p14="http://schemas.microsoft.com/office/powerpoint/2010/main">
-    <mc:Choice Requires="p14">
+  <mc:AlternateContent xmlns:mc="http://schemas.openxmlformats.org/markup-compatibility/2006">
+    <mc:Choice xmlns:p14="http://schemas.microsoft.com/office/powerpoint/2010/main" Requires="p14">
       <p:transition spd="med" p14:dur="700">
         <p:fade/>
       </p:transition>
     </mc:Choice>
-    <mc:Fallback xmlns="">
+    <mc:Fallback>
       <p:transition spd="med">
         <p:fade/>
       </p:transition>
